--- a/ref-ppt-style.pptx
+++ b/ref-ppt-style.pptx
@@ -275,7 +275,7 @@
           <a:p>
             <a:fld id="{241EB5C9-1307-BA42-ABA2-0BC069CD8E7F}" type="datetimeFigureOut">
               <a:rPr lang="en-US" smtClean="0"/>
-              <a:t>12/17/22</a:t>
+              <a:t>1/24/23</a:t>
             </a:fld>
             <a:endParaRPr lang="en-US"/>
           </a:p>
@@ -296,40 +296,15 @@
             <a:off x="1812376" y="246981"/>
             <a:ext cx="3730436" cy="231901"/>
           </a:xfrm>
+          <a:prstGeom prst="rect">
+            <a:avLst/>
+          </a:prstGeom>
         </p:spPr>
         <p:txBody>
           <a:bodyPr/>
           <a:lstStyle/>
           <a:p>
-            <a:endParaRPr lang="en-US"/>
-          </a:p>
-        </p:txBody>
-      </p:sp>
-      <p:sp>
-        <p:nvSpPr>
-          <p:cNvPr id="6" name="Slide Number Placeholder 5"/>
-          <p:cNvSpPr>
-            <a:spLocks noGrp="1"/>
-          </p:cNvSpPr>
-          <p:nvPr>
-            <p:ph type="sldNum" sz="quarter" idx="12"/>
-          </p:nvPr>
-        </p:nvSpPr>
-        <p:spPr>
-          <a:xfrm>
-            <a:off x="1078249" y="599230"/>
-            <a:ext cx="608264" cy="377684"/>
-          </a:xfrm>
-        </p:spPr>
-        <p:txBody>
-          <a:bodyPr/>
-          <a:lstStyle/>
-          <a:p>
-            <a:fld id="{C5EF2332-01BF-834F-8236-50238282D533}" type="slidenum">
-              <a:rPr lang="en-US" smtClean="0"/>
-              <a:t>‹#›</a:t>
-            </a:fld>
-            <a:endParaRPr lang="en-US"/>
+            <a:endParaRPr lang="en-US" dirty="0"/>
           </a:p>
         </p:txBody>
       </p:sp>
@@ -518,7 +493,7 @@
           <a:p>
             <a:fld id="{241EB5C9-1307-BA42-ABA2-0BC069CD8E7F}" type="datetimeFigureOut">
               <a:rPr lang="en-US" smtClean="0"/>
-              <a:t>12/17/22</a:t>
+              <a:t>1/24/23</a:t>
             </a:fld>
             <a:endParaRPr lang="en-US"/>
           </a:p>
@@ -534,7 +509,15 @@
             <p:ph type="ftr" sz="quarter" idx="11"/>
           </p:nvPr>
         </p:nvSpPr>
-        <p:spPr/>
+        <p:spPr>
+          <a:xfrm>
+            <a:off x="1088684" y="246981"/>
+            <a:ext cx="4454127" cy="231901"/>
+          </a:xfrm>
+          <a:prstGeom prst="rect">
+            <a:avLst/>
+          </a:prstGeom>
+        </p:spPr>
         <p:txBody>
           <a:bodyPr/>
           <a:lstStyle/>
@@ -553,7 +536,15 @@
             <p:ph type="sldNum" sz="quarter" idx="12"/>
           </p:nvPr>
         </p:nvSpPr>
-        <p:spPr/>
+        <p:spPr>
+          <a:xfrm>
+            <a:off x="360046" y="599230"/>
+            <a:ext cx="608264" cy="377684"/>
+          </a:xfrm>
+          <a:prstGeom prst="rect">
+            <a:avLst/>
+          </a:prstGeom>
+        </p:spPr>
         <p:txBody>
           <a:bodyPr/>
           <a:lstStyle/>
@@ -765,7 +756,7 @@
           <a:p>
             <a:fld id="{241EB5C9-1307-BA42-ABA2-0BC069CD8E7F}" type="datetimeFigureOut">
               <a:rPr lang="en-US" smtClean="0"/>
-              <a:t>12/17/22</a:t>
+              <a:t>1/24/23</a:t>
             </a:fld>
             <a:endParaRPr lang="en-US"/>
           </a:p>
@@ -781,7 +772,15 @@
             <p:ph type="ftr" sz="quarter" idx="11"/>
           </p:nvPr>
         </p:nvSpPr>
-        <p:spPr/>
+        <p:spPr>
+          <a:xfrm>
+            <a:off x="1088684" y="246981"/>
+            <a:ext cx="4454127" cy="231901"/>
+          </a:xfrm>
+          <a:prstGeom prst="rect">
+            <a:avLst/>
+          </a:prstGeom>
+        </p:spPr>
         <p:txBody>
           <a:bodyPr/>
           <a:lstStyle/>
@@ -800,7 +799,15 @@
             <p:ph type="sldNum" sz="quarter" idx="12"/>
           </p:nvPr>
         </p:nvSpPr>
-        <p:spPr/>
+        <p:spPr>
+          <a:xfrm>
+            <a:off x="360046" y="599230"/>
+            <a:ext cx="608264" cy="377684"/>
+          </a:xfrm>
+          <a:prstGeom prst="rect">
+            <a:avLst/>
+          </a:prstGeom>
+        </p:spPr>
         <p:txBody>
           <a:bodyPr/>
           <a:lstStyle/>
@@ -925,7 +932,7 @@
               <a:t>第 </a:t>
             </a:r>
             <a:r>
-              <a:rPr lang="en-US" altLang="ja-JP"/>
+              <a:rPr lang="en-US" altLang="ja-JP" dirty="0"/>
               <a:t>2 </a:t>
             </a:r>
             <a:r>
@@ -940,7 +947,7 @@
               <a:t>第 </a:t>
             </a:r>
             <a:r>
-              <a:rPr lang="en-US" altLang="ja-JP"/>
+              <a:rPr lang="en-US" altLang="ja-JP" dirty="0"/>
               <a:t>3 </a:t>
             </a:r>
             <a:r>
@@ -955,7 +962,7 @@
               <a:t>第 </a:t>
             </a:r>
             <a:r>
-              <a:rPr lang="en-US" altLang="ja-JP"/>
+              <a:rPr lang="en-US" altLang="ja-JP" dirty="0"/>
               <a:t>4 </a:t>
             </a:r>
             <a:r>
@@ -970,7 +977,7 @@
               <a:t>第 </a:t>
             </a:r>
             <a:r>
-              <a:rPr lang="en-US" altLang="ja-JP"/>
+              <a:rPr lang="en-US" altLang="ja-JP" dirty="0"/>
               <a:t>5 </a:t>
             </a:r>
             <a:r>
@@ -998,7 +1005,7 @@
           <a:p>
             <a:fld id="{241EB5C9-1307-BA42-ABA2-0BC069CD8E7F}" type="datetimeFigureOut">
               <a:rPr lang="en-US" smtClean="0"/>
-              <a:t>12/17/22</a:t>
+              <a:t>1/24/23</a:t>
             </a:fld>
             <a:endParaRPr lang="en-US"/>
           </a:p>
@@ -1006,25 +1013,6 @@
       </p:sp>
       <p:sp>
         <p:nvSpPr>
-          <p:cNvPr id="5" name="Footer Placeholder 4"/>
-          <p:cNvSpPr>
-            <a:spLocks noGrp="1"/>
-          </p:cNvSpPr>
-          <p:nvPr>
-            <p:ph type="ftr" sz="quarter" idx="11"/>
-          </p:nvPr>
-        </p:nvSpPr>
-        <p:spPr/>
-        <p:txBody>
-          <a:bodyPr/>
-          <a:lstStyle/>
-          <a:p>
-            <a:endParaRPr lang="en-US"/>
-          </a:p>
-        </p:txBody>
-      </p:sp>
-      <p:sp>
-        <p:nvSpPr>
           <p:cNvPr id="6" name="Slide Number Placeholder 5"/>
           <p:cNvSpPr>
             <a:spLocks noGrp="1"/>
@@ -1033,7 +1021,15 @@
             <p:ph type="sldNum" sz="quarter" idx="12"/>
           </p:nvPr>
         </p:nvSpPr>
-        <p:spPr/>
+        <p:spPr>
+          <a:xfrm>
+            <a:off x="360046" y="599230"/>
+            <a:ext cx="608264" cy="377684"/>
+          </a:xfrm>
+          <a:prstGeom prst="rect">
+            <a:avLst/>
+          </a:prstGeom>
+        </p:spPr>
         <p:txBody>
           <a:bodyPr/>
           <a:lstStyle/>
@@ -1046,37 +1042,6 @@
           </a:p>
         </p:txBody>
       </p:sp>
-      <p:cxnSp>
-        <p:nvCxnSpPr>
-          <p:cNvPr id="33" name="Straight Connector 32"/>
-          <p:cNvCxnSpPr/>
-          <p:nvPr/>
-        </p:nvCxnSpPr>
-        <p:spPr>
-          <a:xfrm>
-            <a:off x="1090422" y="1385316"/>
-            <a:ext cx="7205642" cy="0"/>
-          </a:xfrm>
-          <a:prstGeom prst="line">
-            <a:avLst/>
-          </a:prstGeom>
-          <a:ln w="31750"/>
-        </p:spPr>
-        <p:style>
-          <a:lnRef idx="3">
-            <a:schemeClr val="accent1"/>
-          </a:lnRef>
-          <a:fillRef idx="0">
-            <a:schemeClr val="accent1"/>
-          </a:fillRef>
-          <a:effectRef idx="2">
-            <a:schemeClr val="accent1"/>
-          </a:effectRef>
-          <a:fontRef idx="minor">
-            <a:schemeClr val="tx1"/>
-          </a:fontRef>
-        </p:style>
-      </p:cxnSp>
     </p:spTree>
     <p:extLst>
       <p:ext uri="{BB962C8B-B14F-4D97-AF65-F5344CB8AC3E}">
@@ -1277,7 +1242,7 @@
           <a:p>
             <a:fld id="{241EB5C9-1307-BA42-ABA2-0BC069CD8E7F}" type="datetimeFigureOut">
               <a:rPr lang="en-US" smtClean="0"/>
-              <a:t>12/17/22</a:t>
+              <a:t>1/24/23</a:t>
             </a:fld>
             <a:endParaRPr lang="en-US"/>
           </a:p>
@@ -1293,12 +1258,20 @@
             <p:ph type="ftr" sz="quarter" idx="11"/>
           </p:nvPr>
         </p:nvSpPr>
-        <p:spPr/>
+        <p:spPr>
+          <a:xfrm>
+            <a:off x="1088684" y="246981"/>
+            <a:ext cx="4454127" cy="231901"/>
+          </a:xfrm>
+          <a:prstGeom prst="rect">
+            <a:avLst/>
+          </a:prstGeom>
+        </p:spPr>
         <p:txBody>
           <a:bodyPr/>
           <a:lstStyle/>
           <a:p>
-            <a:endParaRPr lang="en-US"/>
+            <a:endParaRPr lang="en-US" dirty="0"/>
           </a:p>
         </p:txBody>
       </p:sp>
@@ -1312,7 +1285,15 @@
             <p:ph type="sldNum" sz="quarter" idx="12"/>
           </p:nvPr>
         </p:nvSpPr>
-        <p:spPr/>
+        <p:spPr>
+          <a:xfrm>
+            <a:off x="360046" y="599230"/>
+            <a:ext cx="608264" cy="377684"/>
+          </a:xfrm>
+          <a:prstGeom prst="rect">
+            <a:avLst/>
+          </a:prstGeom>
+        </p:spPr>
         <p:txBody>
           <a:bodyPr/>
           <a:lstStyle/>
@@ -1398,8 +1379,8 @@
         </p:nvSpPr>
         <p:spPr>
           <a:xfrm>
-            <a:off x="1086913" y="603667"/>
-            <a:ext cx="7204226" cy="794479"/>
+            <a:off x="360046" y="247919"/>
+            <a:ext cx="8423908" cy="377684"/>
           </a:xfrm>
         </p:spPr>
         <p:txBody>
@@ -1426,8 +1407,8 @@
         </p:nvSpPr>
         <p:spPr>
           <a:xfrm>
-            <a:off x="1085498" y="1508159"/>
-            <a:ext cx="3483864" cy="2586446"/>
+            <a:off x="417786" y="685800"/>
+            <a:ext cx="4151576" cy="3408805"/>
           </a:xfrm>
         </p:spPr>
         <p:txBody>
@@ -1447,7 +1428,7 @@
               <a:t>第 </a:t>
             </a:r>
             <a:r>
-              <a:rPr lang="en-US" altLang="ja-JP"/>
+              <a:rPr lang="en-US" altLang="ja-JP" dirty="0"/>
               <a:t>2 </a:t>
             </a:r>
             <a:r>
@@ -1462,7 +1443,7 @@
               <a:t>第 </a:t>
             </a:r>
             <a:r>
-              <a:rPr lang="en-US" altLang="ja-JP"/>
+              <a:rPr lang="en-US" altLang="ja-JP" dirty="0"/>
               <a:t>3 </a:t>
             </a:r>
             <a:r>
@@ -1477,7 +1458,7 @@
               <a:t>第 </a:t>
             </a:r>
             <a:r>
-              <a:rPr lang="en-US" altLang="ja-JP"/>
+              <a:rPr lang="en-US" altLang="ja-JP" dirty="0"/>
               <a:t>4 </a:t>
             </a:r>
             <a:r>
@@ -1492,7 +1473,7 @@
               <a:t>第 </a:t>
             </a:r>
             <a:r>
-              <a:rPr lang="en-US" altLang="ja-JP"/>
+              <a:rPr lang="en-US" altLang="ja-JP" dirty="0"/>
               <a:t>5 </a:t>
             </a:r>
             <a:r>
@@ -1515,8 +1496,8 @@
         </p:nvSpPr>
         <p:spPr>
           <a:xfrm>
-            <a:off x="4810328" y="1513007"/>
-            <a:ext cx="3483864" cy="2581140"/>
+            <a:off x="4569362" y="685342"/>
+            <a:ext cx="4214592" cy="3408805"/>
           </a:xfrm>
         </p:spPr>
         <p:txBody>
@@ -1536,7 +1517,7 @@
               <a:t>第 </a:t>
             </a:r>
             <a:r>
-              <a:rPr lang="en-US" altLang="ja-JP"/>
+              <a:rPr lang="en-US" altLang="ja-JP" dirty="0"/>
               <a:t>2 </a:t>
             </a:r>
             <a:r>
@@ -1551,7 +1532,7 @@
               <a:t>第 </a:t>
             </a:r>
             <a:r>
-              <a:rPr lang="en-US" altLang="ja-JP"/>
+              <a:rPr lang="en-US" altLang="ja-JP" dirty="0"/>
               <a:t>3 </a:t>
             </a:r>
             <a:r>
@@ -1566,7 +1547,7 @@
               <a:t>第 </a:t>
             </a:r>
             <a:r>
-              <a:rPr lang="en-US" altLang="ja-JP"/>
+              <a:rPr lang="en-US" altLang="ja-JP" dirty="0"/>
               <a:t>4 </a:t>
             </a:r>
             <a:r>
@@ -1581,7 +1562,7 @@
               <a:t>第 </a:t>
             </a:r>
             <a:r>
-              <a:rPr lang="en-US" altLang="ja-JP"/>
+              <a:rPr lang="en-US" altLang="ja-JP" dirty="0"/>
               <a:t>5 </a:t>
             </a:r>
             <a:r>
@@ -1609,85 +1590,12 @@
           <a:p>
             <a:fld id="{241EB5C9-1307-BA42-ABA2-0BC069CD8E7F}" type="datetimeFigureOut">
               <a:rPr lang="en-US" smtClean="0"/>
-              <a:t>12/17/22</a:t>
+              <a:t>1/24/23</a:t>
             </a:fld>
             <a:endParaRPr lang="en-US"/>
           </a:p>
         </p:txBody>
       </p:sp>
-      <p:sp>
-        <p:nvSpPr>
-          <p:cNvPr id="6" name="Footer Placeholder 5"/>
-          <p:cNvSpPr>
-            <a:spLocks noGrp="1"/>
-          </p:cNvSpPr>
-          <p:nvPr>
-            <p:ph type="ftr" sz="quarter" idx="11"/>
-          </p:nvPr>
-        </p:nvSpPr>
-        <p:spPr/>
-        <p:txBody>
-          <a:bodyPr/>
-          <a:lstStyle/>
-          <a:p>
-            <a:endParaRPr lang="en-US"/>
-          </a:p>
-        </p:txBody>
-      </p:sp>
-      <p:sp>
-        <p:nvSpPr>
-          <p:cNvPr id="7" name="Slide Number Placeholder 6"/>
-          <p:cNvSpPr>
-            <a:spLocks noGrp="1"/>
-          </p:cNvSpPr>
-          <p:nvPr>
-            <p:ph type="sldNum" sz="quarter" idx="12"/>
-          </p:nvPr>
-        </p:nvSpPr>
-        <p:spPr/>
-        <p:txBody>
-          <a:bodyPr/>
-          <a:lstStyle/>
-          <a:p>
-            <a:fld id="{C5EF2332-01BF-834F-8236-50238282D533}" type="slidenum">
-              <a:rPr lang="en-US" smtClean="0"/>
-              <a:t>‹#›</a:t>
-            </a:fld>
-            <a:endParaRPr lang="en-US"/>
-          </a:p>
-        </p:txBody>
-      </p:sp>
-      <p:cxnSp>
-        <p:nvCxnSpPr>
-          <p:cNvPr id="35" name="Straight Connector 34"/>
-          <p:cNvCxnSpPr/>
-          <p:nvPr/>
-        </p:nvCxnSpPr>
-        <p:spPr>
-          <a:xfrm>
-            <a:off x="1090422" y="1385316"/>
-            <a:ext cx="7205642" cy="0"/>
-          </a:xfrm>
-          <a:prstGeom prst="line">
-            <a:avLst/>
-          </a:prstGeom>
-          <a:ln w="31750"/>
-        </p:spPr>
-        <p:style>
-          <a:lnRef idx="3">
-            <a:schemeClr val="accent1"/>
-          </a:lnRef>
-          <a:fillRef idx="0">
-            <a:schemeClr val="accent1"/>
-          </a:fillRef>
-          <a:effectRef idx="2">
-            <a:schemeClr val="accent1"/>
-          </a:effectRef>
-          <a:fontRef idx="minor">
-            <a:schemeClr val="tx1"/>
-          </a:fontRef>
-        </p:style>
-      </p:cxnSp>
     </p:spTree>
     <p:extLst>
       <p:ext uri="{BB962C8B-B14F-4D97-AF65-F5344CB8AC3E}">
@@ -1730,8 +1638,8 @@
         </p:nvSpPr>
         <p:spPr>
           <a:xfrm>
-            <a:off x="1085394" y="603123"/>
-            <a:ext cx="7205746" cy="792239"/>
+            <a:off x="425669" y="189187"/>
+            <a:ext cx="8466083" cy="433552"/>
           </a:xfrm>
         </p:spPr>
         <p:txBody>
@@ -1758,8 +1666,8 @@
         </p:nvSpPr>
         <p:spPr>
           <a:xfrm>
-            <a:off x="1085393" y="1514662"/>
-            <a:ext cx="3483864" cy="601457"/>
+            <a:off x="528145" y="622739"/>
+            <a:ext cx="3941379" cy="354723"/>
           </a:xfrm>
         </p:spPr>
         <p:txBody>
@@ -1832,8 +1740,8 @@
         </p:nvSpPr>
         <p:spPr>
           <a:xfrm>
-            <a:off x="1085393" y="2118202"/>
-            <a:ext cx="3483864" cy="1983343"/>
+            <a:off x="528145" y="977462"/>
+            <a:ext cx="4041112" cy="3124083"/>
           </a:xfrm>
         </p:spPr>
         <p:txBody>
@@ -1853,7 +1761,7 @@
               <a:t>第 </a:t>
             </a:r>
             <a:r>
-              <a:rPr lang="en-US" altLang="ja-JP"/>
+              <a:rPr lang="en-US" altLang="ja-JP" dirty="0"/>
               <a:t>2 </a:t>
             </a:r>
             <a:r>
@@ -1868,7 +1776,7 @@
               <a:t>第 </a:t>
             </a:r>
             <a:r>
-              <a:rPr lang="en-US" altLang="ja-JP"/>
+              <a:rPr lang="en-US" altLang="ja-JP" dirty="0"/>
               <a:t>3 </a:t>
             </a:r>
             <a:r>
@@ -1883,7 +1791,7 @@
               <a:t>第 </a:t>
             </a:r>
             <a:r>
-              <a:rPr lang="en-US" altLang="ja-JP"/>
+              <a:rPr lang="en-US" altLang="ja-JP" dirty="0"/>
               <a:t>4 </a:t>
             </a:r>
             <a:r>
@@ -1898,7 +1806,7 @@
               <a:t>第 </a:t>
             </a:r>
             <a:r>
-              <a:rPr lang="en-US" altLang="ja-JP"/>
+              <a:rPr lang="en-US" altLang="ja-JP" dirty="0"/>
               <a:t>5 </a:t>
             </a:r>
             <a:r>
@@ -1921,8 +1829,8 @@
         </p:nvSpPr>
         <p:spPr>
           <a:xfrm>
-            <a:off x="4809272" y="1517253"/>
-            <a:ext cx="3483864" cy="601678"/>
+            <a:off x="4737538" y="622739"/>
+            <a:ext cx="4154214" cy="354723"/>
           </a:xfrm>
         </p:spPr>
         <p:txBody>
@@ -1995,8 +1903,8 @@
         </p:nvSpPr>
         <p:spPr>
           <a:xfrm>
-            <a:off x="4809272" y="2116119"/>
-            <a:ext cx="3483864" cy="1978028"/>
+            <a:off x="4737538" y="977461"/>
+            <a:ext cx="3483864" cy="3124083"/>
           </a:xfrm>
         </p:spPr>
         <p:txBody>
@@ -2016,7 +1924,7 @@
               <a:t>第 </a:t>
             </a:r>
             <a:r>
-              <a:rPr lang="en-US" altLang="ja-JP"/>
+              <a:rPr lang="en-US" altLang="ja-JP" dirty="0"/>
               <a:t>2 </a:t>
             </a:r>
             <a:r>
@@ -2031,7 +1939,7 @@
               <a:t>第 </a:t>
             </a:r>
             <a:r>
-              <a:rPr lang="en-US" altLang="ja-JP"/>
+              <a:rPr lang="en-US" altLang="ja-JP" dirty="0"/>
               <a:t>3 </a:t>
             </a:r>
             <a:r>
@@ -2046,7 +1954,7 @@
               <a:t>第 </a:t>
             </a:r>
             <a:r>
-              <a:rPr lang="en-US" altLang="ja-JP"/>
+              <a:rPr lang="en-US" altLang="ja-JP" dirty="0"/>
               <a:t>4 </a:t>
             </a:r>
             <a:r>
@@ -2061,7 +1969,7 @@
               <a:t>第 </a:t>
             </a:r>
             <a:r>
-              <a:rPr lang="en-US" altLang="ja-JP"/>
+              <a:rPr lang="en-US" altLang="ja-JP" dirty="0"/>
               <a:t>5 </a:t>
             </a:r>
             <a:r>
@@ -2089,85 +1997,12 @@
           <a:p>
             <a:fld id="{241EB5C9-1307-BA42-ABA2-0BC069CD8E7F}" type="datetimeFigureOut">
               <a:rPr lang="en-US" smtClean="0"/>
-              <a:t>12/17/22</a:t>
+              <a:t>1/24/23</a:t>
             </a:fld>
             <a:endParaRPr lang="en-US"/>
           </a:p>
         </p:txBody>
       </p:sp>
-      <p:sp>
-        <p:nvSpPr>
-          <p:cNvPr id="8" name="Footer Placeholder 7"/>
-          <p:cNvSpPr>
-            <a:spLocks noGrp="1"/>
-          </p:cNvSpPr>
-          <p:nvPr>
-            <p:ph type="ftr" sz="quarter" idx="11"/>
-          </p:nvPr>
-        </p:nvSpPr>
-        <p:spPr/>
-        <p:txBody>
-          <a:bodyPr/>
-          <a:lstStyle/>
-          <a:p>
-            <a:endParaRPr lang="en-US"/>
-          </a:p>
-        </p:txBody>
-      </p:sp>
-      <p:sp>
-        <p:nvSpPr>
-          <p:cNvPr id="9" name="Slide Number Placeholder 8"/>
-          <p:cNvSpPr>
-            <a:spLocks noGrp="1"/>
-          </p:cNvSpPr>
-          <p:nvPr>
-            <p:ph type="sldNum" sz="quarter" idx="12"/>
-          </p:nvPr>
-        </p:nvSpPr>
-        <p:spPr/>
-        <p:txBody>
-          <a:bodyPr/>
-          <a:lstStyle/>
-          <a:p>
-            <a:fld id="{C5EF2332-01BF-834F-8236-50238282D533}" type="slidenum">
-              <a:rPr lang="en-US" smtClean="0"/>
-              <a:t>‹#›</a:t>
-            </a:fld>
-            <a:endParaRPr lang="en-US"/>
-          </a:p>
-        </p:txBody>
-      </p:sp>
-      <p:cxnSp>
-        <p:nvCxnSpPr>
-          <p:cNvPr id="29" name="Straight Connector 28"/>
-          <p:cNvCxnSpPr/>
-          <p:nvPr/>
-        </p:nvCxnSpPr>
-        <p:spPr>
-          <a:xfrm>
-            <a:off x="1090422" y="1385316"/>
-            <a:ext cx="7205642" cy="0"/>
-          </a:xfrm>
-          <a:prstGeom prst="line">
-            <a:avLst/>
-          </a:prstGeom>
-          <a:ln w="31750"/>
-        </p:spPr>
-        <p:style>
-          <a:lnRef idx="3">
-            <a:schemeClr val="accent1"/>
-          </a:lnRef>
-          <a:fillRef idx="0">
-            <a:schemeClr val="accent1"/>
-          </a:fillRef>
-          <a:effectRef idx="2">
-            <a:schemeClr val="accent1"/>
-          </a:effectRef>
-          <a:fontRef idx="minor">
-            <a:schemeClr val="tx1"/>
-          </a:fontRef>
-        </p:style>
-      </p:cxnSp>
     </p:spTree>
     <p:extLst>
       <p:ext uri="{BB962C8B-B14F-4D97-AF65-F5344CB8AC3E}">
@@ -2238,85 +2073,12 @@
           <a:p>
             <a:fld id="{241EB5C9-1307-BA42-ABA2-0BC069CD8E7F}" type="datetimeFigureOut">
               <a:rPr lang="en-US" smtClean="0"/>
-              <a:t>12/17/22</a:t>
+              <a:t>1/24/23</a:t>
             </a:fld>
             <a:endParaRPr lang="en-US"/>
           </a:p>
         </p:txBody>
       </p:sp>
-      <p:sp>
-        <p:nvSpPr>
-          <p:cNvPr id="4" name="Footer Placeholder 3"/>
-          <p:cNvSpPr>
-            <a:spLocks noGrp="1"/>
-          </p:cNvSpPr>
-          <p:nvPr>
-            <p:ph type="ftr" sz="quarter" idx="11"/>
-          </p:nvPr>
-        </p:nvSpPr>
-        <p:spPr/>
-        <p:txBody>
-          <a:bodyPr/>
-          <a:lstStyle/>
-          <a:p>
-            <a:endParaRPr lang="en-US"/>
-          </a:p>
-        </p:txBody>
-      </p:sp>
-      <p:sp>
-        <p:nvSpPr>
-          <p:cNvPr id="5" name="Slide Number Placeholder 4"/>
-          <p:cNvSpPr>
-            <a:spLocks noGrp="1"/>
-          </p:cNvSpPr>
-          <p:nvPr>
-            <p:ph type="sldNum" sz="quarter" idx="12"/>
-          </p:nvPr>
-        </p:nvSpPr>
-        <p:spPr/>
-        <p:txBody>
-          <a:bodyPr/>
-          <a:lstStyle/>
-          <a:p>
-            <a:fld id="{C5EF2332-01BF-834F-8236-50238282D533}" type="slidenum">
-              <a:rPr lang="en-US" smtClean="0"/>
-              <a:t>‹#›</a:t>
-            </a:fld>
-            <a:endParaRPr lang="en-US"/>
-          </a:p>
-        </p:txBody>
-      </p:sp>
-      <p:cxnSp>
-        <p:nvCxnSpPr>
-          <p:cNvPr id="25" name="Straight Connector 24"/>
-          <p:cNvCxnSpPr/>
-          <p:nvPr/>
-        </p:nvCxnSpPr>
-        <p:spPr>
-          <a:xfrm>
-            <a:off x="1090422" y="1385316"/>
-            <a:ext cx="7205642" cy="0"/>
-          </a:xfrm>
-          <a:prstGeom prst="line">
-            <a:avLst/>
-          </a:prstGeom>
-          <a:ln w="31750"/>
-        </p:spPr>
-        <p:style>
-          <a:lnRef idx="3">
-            <a:schemeClr val="accent1"/>
-          </a:lnRef>
-          <a:fillRef idx="0">
-            <a:schemeClr val="accent1"/>
-          </a:fillRef>
-          <a:effectRef idx="2">
-            <a:schemeClr val="accent1"/>
-          </a:effectRef>
-          <a:fontRef idx="minor">
-            <a:schemeClr val="tx1"/>
-          </a:fontRef>
-        </p:style>
-      </p:cxnSp>
     </p:spTree>
     <p:extLst>
       <p:ext uri="{BB962C8B-B14F-4D97-AF65-F5344CB8AC3E}">
@@ -2364,7 +2126,7 @@
           <a:p>
             <a:fld id="{241EB5C9-1307-BA42-ABA2-0BC069CD8E7F}" type="datetimeFigureOut">
               <a:rPr lang="en-US" smtClean="0"/>
-              <a:t>12/17/22</a:t>
+              <a:t>1/24/23</a:t>
             </a:fld>
             <a:endParaRPr lang="en-US"/>
           </a:p>
@@ -2380,35 +2142,20 @@
             <p:ph type="ftr" sz="quarter" idx="11"/>
           </p:nvPr>
         </p:nvSpPr>
-        <p:spPr/>
+        <p:spPr>
+          <a:xfrm>
+            <a:off x="1088684" y="246981"/>
+            <a:ext cx="4454127" cy="231901"/>
+          </a:xfrm>
+          <a:prstGeom prst="rect">
+            <a:avLst/>
+          </a:prstGeom>
+        </p:spPr>
         <p:txBody>
           <a:bodyPr/>
           <a:lstStyle/>
           <a:p>
-            <a:endParaRPr lang="en-US"/>
-          </a:p>
-        </p:txBody>
-      </p:sp>
-      <p:sp>
-        <p:nvSpPr>
-          <p:cNvPr id="4" name="Slide Number Placeholder 3"/>
-          <p:cNvSpPr>
-            <a:spLocks noGrp="1"/>
-          </p:cNvSpPr>
-          <p:nvPr>
-            <p:ph type="sldNum" sz="quarter" idx="12"/>
-          </p:nvPr>
-        </p:nvSpPr>
-        <p:spPr/>
-        <p:txBody>
-          <a:bodyPr/>
-          <a:lstStyle/>
-          <a:p>
-            <a:fld id="{C5EF2332-01BF-834F-8236-50238282D533}" type="slidenum">
-              <a:rPr lang="en-US" smtClean="0"/>
-              <a:t>‹#›</a:t>
-            </a:fld>
-            <a:endParaRPr lang="en-US"/>
+            <a:endParaRPr lang="en-US" dirty="0"/>
           </a:p>
         </p:txBody>
       </p:sp>
@@ -2647,7 +2394,7 @@
           <a:p>
             <a:fld id="{241EB5C9-1307-BA42-ABA2-0BC069CD8E7F}" type="datetimeFigureOut">
               <a:rPr lang="en-US" smtClean="0"/>
-              <a:t>12/17/22</a:t>
+              <a:t>1/24/23</a:t>
             </a:fld>
             <a:endParaRPr lang="en-US"/>
           </a:p>
@@ -2663,7 +2410,15 @@
             <p:ph type="ftr" sz="quarter" idx="11"/>
           </p:nvPr>
         </p:nvSpPr>
-        <p:spPr/>
+        <p:spPr>
+          <a:xfrm>
+            <a:off x="1088684" y="246981"/>
+            <a:ext cx="4454127" cy="231901"/>
+          </a:xfrm>
+          <a:prstGeom prst="rect">
+            <a:avLst/>
+          </a:prstGeom>
+        </p:spPr>
         <p:txBody>
           <a:bodyPr/>
           <a:lstStyle/>
@@ -2682,7 +2437,15 @@
             <p:ph type="sldNum" sz="quarter" idx="12"/>
           </p:nvPr>
         </p:nvSpPr>
-        <p:spPr/>
+        <p:spPr>
+          <a:xfrm>
+            <a:off x="360046" y="599230"/>
+            <a:ext cx="608264" cy="377684"/>
+          </a:xfrm>
+          <a:prstGeom prst="rect">
+            <a:avLst/>
+          </a:prstGeom>
+        </p:spPr>
         <p:txBody>
           <a:bodyPr/>
           <a:lstStyle/>
@@ -3092,7 +2855,7 @@
           <a:p>
             <a:fld id="{241EB5C9-1307-BA42-ABA2-0BC069CD8E7F}" type="datetimeFigureOut">
               <a:rPr lang="en-US" smtClean="0"/>
-              <a:t>12/17/22</a:t>
+              <a:t>1/24/23</a:t>
             </a:fld>
             <a:endParaRPr lang="en-US"/>
           </a:p>
@@ -3113,6 +2876,9 @@
             <a:off x="1085537" y="238981"/>
             <a:ext cx="4155753" cy="240698"/>
           </a:xfrm>
+          <a:prstGeom prst="rect">
+            <a:avLst/>
+          </a:prstGeom>
         </p:spPr>
         <p:txBody>
           <a:bodyPr/>
@@ -3132,7 +2898,15 @@
             <p:ph type="sldNum" sz="quarter" idx="12"/>
           </p:nvPr>
         </p:nvSpPr>
-        <p:spPr/>
+        <p:spPr>
+          <a:xfrm>
+            <a:off x="360046" y="599230"/>
+            <a:ext cx="608264" cy="377684"/>
+          </a:xfrm>
+          <a:prstGeom prst="rect">
+            <a:avLst/>
+          </a:prstGeom>
+        </p:spPr>
         <p:txBody>
           <a:bodyPr/>
           <a:lstStyle/>
@@ -3219,8 +2993,8 @@
         </p:nvSpPr>
         <p:spPr>
           <a:xfrm>
-            <a:off x="0" y="1514607"/>
-            <a:ext cx="9144000" cy="3079456"/>
+            <a:off x="-1" y="615697"/>
+            <a:ext cx="9144000" cy="3602660"/>
           </a:xfrm>
           <a:prstGeom prst="rect">
             <a:avLst/>
@@ -3301,8 +3075,8 @@
         </p:nvSpPr>
         <p:spPr>
           <a:xfrm>
-            <a:off x="1088685" y="603390"/>
-            <a:ext cx="7202456" cy="786926"/>
+            <a:off x="360046" y="215221"/>
+            <a:ext cx="8423907" cy="400476"/>
           </a:xfrm>
           <a:prstGeom prst="rect">
             <a:avLst/>
@@ -3334,8 +3108,8 @@
         </p:nvSpPr>
         <p:spPr>
           <a:xfrm>
-            <a:off x="1088685" y="1511799"/>
-            <a:ext cx="7202456" cy="2587960"/>
+            <a:off x="360046" y="648255"/>
+            <a:ext cx="8594768" cy="3570102"/>
           </a:xfrm>
           <a:prstGeom prst="rect">
             <a:avLst/>
@@ -3360,7 +3134,7 @@
               <a:t>第 </a:t>
             </a:r>
             <a:r>
-              <a:rPr lang="en-US" altLang="ja-JP"/>
+              <a:rPr lang="en-US" altLang="ja-JP" dirty="0"/>
               <a:t>2 </a:t>
             </a:r>
             <a:r>
@@ -3375,7 +3149,7 @@
               <a:t>第 </a:t>
             </a:r>
             <a:r>
-              <a:rPr lang="en-US" altLang="ja-JP"/>
+              <a:rPr lang="en-US" altLang="ja-JP" dirty="0"/>
               <a:t>3 </a:t>
             </a:r>
             <a:r>
@@ -3390,7 +3164,7 @@
               <a:t>第 </a:t>
             </a:r>
             <a:r>
-              <a:rPr lang="en-US" altLang="ja-JP"/>
+              <a:rPr lang="en-US" altLang="ja-JP" dirty="0"/>
               <a:t>4 </a:t>
             </a:r>
             <a:r>
@@ -3405,7 +3179,7 @@
               <a:t>第 </a:t>
             </a:r>
             <a:r>
-              <a:rPr lang="en-US" altLang="ja-JP"/>
+              <a:rPr lang="en-US" altLang="ja-JP" dirty="0"/>
               <a:t>5 </a:t>
             </a:r>
             <a:r>
@@ -3451,83 +3225,7 @@
           <a:p>
             <a:fld id="{241EB5C9-1307-BA42-ABA2-0BC069CD8E7F}" type="datetimeFigureOut">
               <a:rPr lang="en-US" smtClean="0"/>
-              <a:t>12/17/22</a:t>
-            </a:fld>
-            <a:endParaRPr lang="en-US"/>
-          </a:p>
-        </p:txBody>
-      </p:sp>
-      <p:sp>
-        <p:nvSpPr>
-          <p:cNvPr id="5" name="Footer Placeholder 4"/>
-          <p:cNvSpPr>
-            <a:spLocks noGrp="1"/>
-          </p:cNvSpPr>
-          <p:nvPr>
-            <p:ph type="ftr" sz="quarter" idx="3"/>
-          </p:nvPr>
-        </p:nvSpPr>
-        <p:spPr>
-          <a:xfrm>
-            <a:off x="1088684" y="246981"/>
-            <a:ext cx="4454127" cy="231901"/>
-          </a:xfrm>
-          <a:prstGeom prst="rect">
-            <a:avLst/>
-          </a:prstGeom>
-        </p:spPr>
-        <p:txBody>
-          <a:bodyPr vert="horz" lIns="91440" tIns="45720" rIns="91440" bIns="45720" rtlCol="0" anchor="ctr"/>
-          <a:lstStyle>
-            <a:lvl1pPr algn="l">
-              <a:defRPr sz="750">
-                <a:solidFill>
-                  <a:schemeClr val="tx1">
-                    <a:tint val="75000"/>
-                  </a:schemeClr>
-                </a:solidFill>
-              </a:defRPr>
-            </a:lvl1pPr>
-          </a:lstStyle>
-          <a:p>
-            <a:endParaRPr lang="en-US"/>
-          </a:p>
-        </p:txBody>
-      </p:sp>
-      <p:sp>
-        <p:nvSpPr>
-          <p:cNvPr id="6" name="Slide Number Placeholder 5"/>
-          <p:cNvSpPr>
-            <a:spLocks noGrp="1"/>
-          </p:cNvSpPr>
-          <p:nvPr>
-            <p:ph type="sldNum" sz="quarter" idx="4"/>
-          </p:nvPr>
-        </p:nvSpPr>
-        <p:spPr>
-          <a:xfrm>
-            <a:off x="360046" y="599230"/>
-            <a:ext cx="608264" cy="377684"/>
-          </a:xfrm>
-          <a:prstGeom prst="rect">
-            <a:avLst/>
-          </a:prstGeom>
-        </p:spPr>
-        <p:txBody>
-          <a:bodyPr vert="horz" lIns="91440" tIns="45720" rIns="91440" bIns="45720" rtlCol="0" anchor="t"/>
-          <a:lstStyle>
-            <a:lvl1pPr algn="r">
-              <a:defRPr sz="2100">
-                <a:solidFill>
-                  <a:schemeClr val="accent1"/>
-                </a:solidFill>
-              </a:defRPr>
-            </a:lvl1pPr>
-          </a:lstStyle>
-          <a:p>
-            <a:fld id="{C5EF2332-01BF-834F-8236-50238282D533}" type="slidenum">
-              <a:rPr lang="en-US" smtClean="0"/>
-              <a:t>‹#›</a:t>
+              <a:t>1/24/23</a:t>
             </a:fld>
             <a:endParaRPr lang="en-US"/>
           </a:p>
@@ -4052,7 +3750,9 @@
         </p:nvSpPr>
         <p:spPr/>
         <p:txBody>
-          <a:bodyPr/>
+          <a:bodyPr>
+            <a:normAutofit fontScale="90000"/>
+          </a:bodyPr>
           <a:lstStyle/>
           <a:p>
             <a:pPr marL="0" lvl="0" indent="0">
@@ -4143,7 +3843,9 @@
         </p:nvSpPr>
         <p:spPr/>
         <p:txBody>
-          <a:bodyPr/>
+          <a:bodyPr>
+            <a:normAutofit fontScale="90000"/>
+          </a:bodyPr>
           <a:lstStyle/>
           <a:p>
             <a:pPr marL="0" lvl="0" indent="0">
@@ -4168,7 +3870,7 @@
         <p:spPr/>
         <p:txBody>
           <a:bodyPr>
-            <a:normAutofit fontScale="25000" lnSpcReduction="20000"/>
+            <a:normAutofit fontScale="55000" lnSpcReduction="20000"/>
           </a:bodyPr>
           <a:lstStyle/>
           <a:p>
@@ -4285,7 +3987,9 @@
         </p:nvSpPr>
         <p:spPr/>
         <p:txBody>
-          <a:bodyPr/>
+          <a:bodyPr>
+            <a:normAutofit fontScale="90000"/>
+          </a:bodyPr>
           <a:lstStyle/>
           <a:p>
             <a:pPr marL="0" lvl="0" indent="0">
@@ -4374,7 +4078,9 @@
         </p:nvSpPr>
         <p:spPr/>
         <p:txBody>
-          <a:bodyPr/>
+          <a:bodyPr>
+            <a:normAutofit fontScale="90000"/>
+          </a:bodyPr>
           <a:lstStyle/>
           <a:p>
             <a:pPr marL="0" lvl="0" indent="0">
@@ -4399,7 +4105,7 @@
         <p:spPr/>
         <p:txBody>
           <a:bodyPr>
-            <a:normAutofit lnSpcReduction="10000"/>
+            <a:normAutofit/>
           </a:bodyPr>
           <a:lstStyle/>
           <a:p>
@@ -4544,7 +4250,9 @@
         </p:nvSpPr>
         <p:spPr/>
         <p:txBody>
-          <a:bodyPr/>
+          <a:bodyPr>
+            <a:normAutofit fontScale="90000"/>
+          </a:bodyPr>
           <a:lstStyle/>
           <a:p>
             <a:pPr marL="0" lvl="0" indent="0">
@@ -4655,7 +4363,9 @@
         </p:nvSpPr>
         <p:spPr/>
         <p:txBody>
-          <a:bodyPr/>
+          <a:bodyPr>
+            <a:normAutofit fontScale="90000"/>
+          </a:bodyPr>
           <a:lstStyle/>
           <a:p>
             <a:pPr marL="0" lvl="0" indent="0">
@@ -4680,7 +4390,7 @@
         <p:spPr/>
         <p:txBody>
           <a:bodyPr>
-            <a:normAutofit fontScale="92500" lnSpcReduction="20000"/>
+            <a:normAutofit/>
           </a:bodyPr>
           <a:lstStyle/>
           <a:p>
@@ -5848,7 +5558,9 @@
         </p:nvSpPr>
         <p:spPr/>
         <p:txBody>
-          <a:bodyPr/>
+          <a:bodyPr>
+            <a:normAutofit fontScale="90000"/>
+          </a:bodyPr>
           <a:lstStyle/>
           <a:p>
             <a:pPr marL="0" lvl="0" indent="0">
